--- a/browser-extension/extension.pptx
+++ b/browser-extension/extension.pptx
@@ -202,7 +202,7 @@
           <a:p>
             <a:fld id="{582A3D24-6083-4546-8C6D-DEE86BAAAE49}" type="datetimeFigureOut">
               <a:rPr lang="zh-CN" altLang="en-US" smtClean="0"/>
-              <a:t>2023/5/5</a:t>
+              <a:t>2023/5/7</a:t>
             </a:fld>
             <a:endParaRPr lang="zh-CN" altLang="en-US"/>
           </a:p>
@@ -933,7 +933,7 @@
           <a:p>
             <a:fld id="{3BC5AEBE-086C-4980-A4E1-E89EE17EFFB9}" type="datetime1">
               <a:rPr lang="zh-CN" altLang="en-US" smtClean="0"/>
-              <a:t>2023/5/5</a:t>
+              <a:t>2023/5/7</a:t>
             </a:fld>
             <a:endParaRPr lang="zh-CN" altLang="en-US"/>
           </a:p>
@@ -1203,7 +1203,7 @@
           <a:p>
             <a:fld id="{AC4CC43B-9EB6-4465-8B1A-3F7180DAD0DF}" type="datetime1">
               <a:rPr lang="zh-CN" altLang="en-US" smtClean="0"/>
-              <a:t>2023/5/5</a:t>
+              <a:t>2023/5/7</a:t>
             </a:fld>
             <a:endParaRPr lang="en-US" altLang="zh-CN"/>
           </a:p>
@@ -2131,7 +2131,7 @@
           <a:p>
             <a:fld id="{6834F10D-3A58-4285-A9DB-D9098A7BEDDD}" type="datetime1">
               <a:rPr lang="zh-CN" altLang="en-US" smtClean="0"/>
-              <a:t>2023/5/5</a:t>
+              <a:t>2023/5/7</a:t>
             </a:fld>
             <a:endParaRPr lang="zh-CN" altLang="en-US"/>
           </a:p>
@@ -2273,7 +2273,7 @@
           <a:p>
             <a:fld id="{748B5987-9647-4253-899C-3B9819D6D8A0}" type="datetime1">
               <a:rPr lang="zh-CN" altLang="en-US" smtClean="0"/>
-              <a:t>2023/5/5</a:t>
+              <a:t>2023/5/7</a:t>
             </a:fld>
             <a:endParaRPr lang="zh-CN" altLang="en-US"/>
           </a:p>
@@ -2386,7 +2386,7 @@
           <a:p>
             <a:fld id="{A50ECBEB-8597-4EA4-9D29-E1D7025CFAA0}" type="datetime1">
               <a:rPr lang="zh-CN" altLang="en-US" smtClean="0"/>
-              <a:t>2023/5/5</a:t>
+              <a:t>2023/5/7</a:t>
             </a:fld>
             <a:endParaRPr lang="zh-CN" altLang="en-US"/>
           </a:p>
@@ -2925,7 +2925,7 @@
           <a:p>
             <a:fld id="{3EBAC152-C384-4126-A41C-02F34DED3069}" type="datetime1">
               <a:rPr lang="zh-CN" altLang="en-US" smtClean="0"/>
-              <a:t>2023/5/5</a:t>
+              <a:t>2023/5/7</a:t>
             </a:fld>
             <a:endParaRPr lang="en-US" altLang="zh-CN"/>
           </a:p>
@@ -3352,16 +3352,21 @@
         </p:nvSpPr>
         <p:spPr>
           <a:xfrm>
-            <a:off x="660400" y="1828800"/>
-            <a:ext cx="10858500" cy="1681162"/>
+            <a:off x="768004" y="1516661"/>
+            <a:ext cx="7998408" cy="1681162"/>
           </a:xfrm>
         </p:spPr>
         <p:txBody>
           <a:bodyPr>
-            <a:normAutofit/>
+            <a:normAutofit fontScale="90000"/>
           </a:bodyPr>
           <a:lstStyle/>
           <a:p>
+            <a:pPr>
+              <a:lnSpc>
+                <a:spcPct val="150000"/>
+              </a:lnSpc>
+            </a:pPr>
             <a:r>
               <a:rPr lang="en-GB" altLang="zh-CN" sz="5400" dirty="0">
                 <a:solidFill>
@@ -3402,26 +3407,29 @@
               </a:rPr>
             </a:br>
             <a:r>
+              <a:rPr lang="zh-CN" altLang="en-US" sz="3600" dirty="0">
+                <a:solidFill>
+                  <a:schemeClr val="accent4"/>
+                </a:solidFill>
+              </a:rPr>
+              <a:t>浏览器插件</a:t>
+            </a:r>
+            <a:r>
               <a:rPr lang="en-GB" altLang="zh-CN" sz="3600" dirty="0">
                 <a:solidFill>
-                  <a:schemeClr val="accent4"/>
+                  <a:srgbClr val="FFFFFF"/>
                 </a:solidFill>
               </a:rPr>
-              <a:t>Chrome</a:t>
-            </a:r>
-            <a:r>
-              <a:rPr lang="en-GB" altLang="zh-CN" sz="3600" dirty="0">
+              <a:t> </a:t>
+            </a:r>
+            <a:r>
+              <a:rPr lang="zh-CN" altLang="en-US" sz="3600" dirty="0">
                 <a:solidFill>
                   <a:srgbClr val="FFFFFF"/>
                 </a:solidFill>
               </a:rPr>
-              <a:t> Example</a:t>
-            </a:r>
-            <a:endParaRPr lang="zh-CN" altLang="en-US" sz="3600" dirty="0">
-              <a:solidFill>
-                <a:srgbClr val="FFFFFF"/>
-              </a:solidFill>
-            </a:endParaRPr>
+              <a:t>探索与应用</a:t>
+            </a:r>
           </a:p>
         </p:txBody>
       </p:sp>
